--- a/sem.pptx
+++ b/sem.pptx
@@ -249,7 +249,7 @@
           <a:p>
             <a:fld id="{EFE7A057-09F2-45FC-A420-FFD26C07B2F1}" type="datetimeFigureOut">
               <a:rPr lang="hu-HU" smtClean="0"/>
-              <a:t>2018. 10. 28.</a:t>
+              <a:t>2018. 11. 27.</a:t>
             </a:fld>
             <a:endParaRPr lang="hu-HU"/>
           </a:p>
@@ -419,7 +419,7 @@
           <a:p>
             <a:fld id="{EFE7A057-09F2-45FC-A420-FFD26C07B2F1}" type="datetimeFigureOut">
               <a:rPr lang="hu-HU" smtClean="0"/>
-              <a:t>2018. 10. 28.</a:t>
+              <a:t>2018. 11. 27.</a:t>
             </a:fld>
             <a:endParaRPr lang="hu-HU"/>
           </a:p>
@@ -599,7 +599,7 @@
           <a:p>
             <a:fld id="{EFE7A057-09F2-45FC-A420-FFD26C07B2F1}" type="datetimeFigureOut">
               <a:rPr lang="hu-HU" smtClean="0"/>
-              <a:t>2018. 10. 28.</a:t>
+              <a:t>2018. 11. 27.</a:t>
             </a:fld>
             <a:endParaRPr lang="hu-HU"/>
           </a:p>
@@ -769,7 +769,7 @@
           <a:p>
             <a:fld id="{EFE7A057-09F2-45FC-A420-FFD26C07B2F1}" type="datetimeFigureOut">
               <a:rPr lang="hu-HU" smtClean="0"/>
-              <a:t>2018. 10. 28.</a:t>
+              <a:t>2018. 11. 27.</a:t>
             </a:fld>
             <a:endParaRPr lang="hu-HU"/>
           </a:p>
@@ -1015,7 +1015,7 @@
           <a:p>
             <a:fld id="{EFE7A057-09F2-45FC-A420-FFD26C07B2F1}" type="datetimeFigureOut">
               <a:rPr lang="hu-HU" smtClean="0"/>
-              <a:t>2018. 10. 28.</a:t>
+              <a:t>2018. 11. 27.</a:t>
             </a:fld>
             <a:endParaRPr lang="hu-HU"/>
           </a:p>
@@ -1247,7 +1247,7 @@
           <a:p>
             <a:fld id="{EFE7A057-09F2-45FC-A420-FFD26C07B2F1}" type="datetimeFigureOut">
               <a:rPr lang="hu-HU" smtClean="0"/>
-              <a:t>2018. 10. 28.</a:t>
+              <a:t>2018. 11. 27.</a:t>
             </a:fld>
             <a:endParaRPr lang="hu-HU"/>
           </a:p>
@@ -1614,7 +1614,7 @@
           <a:p>
             <a:fld id="{EFE7A057-09F2-45FC-A420-FFD26C07B2F1}" type="datetimeFigureOut">
               <a:rPr lang="hu-HU" smtClean="0"/>
-              <a:t>2018. 10. 28.</a:t>
+              <a:t>2018. 11. 27.</a:t>
             </a:fld>
             <a:endParaRPr lang="hu-HU"/>
           </a:p>
@@ -1732,7 +1732,7 @@
           <a:p>
             <a:fld id="{EFE7A057-09F2-45FC-A420-FFD26C07B2F1}" type="datetimeFigureOut">
               <a:rPr lang="hu-HU" smtClean="0"/>
-              <a:t>2018. 10. 28.</a:t>
+              <a:t>2018. 11. 27.</a:t>
             </a:fld>
             <a:endParaRPr lang="hu-HU"/>
           </a:p>
@@ -1827,7 +1827,7 @@
           <a:p>
             <a:fld id="{EFE7A057-09F2-45FC-A420-FFD26C07B2F1}" type="datetimeFigureOut">
               <a:rPr lang="hu-HU" smtClean="0"/>
-              <a:t>2018. 10. 28.</a:t>
+              <a:t>2018. 11. 27.</a:t>
             </a:fld>
             <a:endParaRPr lang="hu-HU"/>
           </a:p>
@@ -2104,7 +2104,7 @@
           <a:p>
             <a:fld id="{EFE7A057-09F2-45FC-A420-FFD26C07B2F1}" type="datetimeFigureOut">
               <a:rPr lang="hu-HU" smtClean="0"/>
-              <a:t>2018. 10. 28.</a:t>
+              <a:t>2018. 11. 27.</a:t>
             </a:fld>
             <a:endParaRPr lang="hu-HU"/>
           </a:p>
@@ -2357,7 +2357,7 @@
           <a:p>
             <a:fld id="{EFE7A057-09F2-45FC-A420-FFD26C07B2F1}" type="datetimeFigureOut">
               <a:rPr lang="hu-HU" smtClean="0"/>
-              <a:t>2018. 10. 28.</a:t>
+              <a:t>2018. 11. 27.</a:t>
             </a:fld>
             <a:endParaRPr lang="hu-HU"/>
           </a:p>
@@ -2570,7 +2570,7 @@
           <a:p>
             <a:fld id="{EFE7A057-09F2-45FC-A420-FFD26C07B2F1}" type="datetimeFigureOut">
               <a:rPr lang="hu-HU" smtClean="0"/>
-              <a:t>2018. 10. 28.</a:t>
+              <a:t>2018. 11. 27.</a:t>
             </a:fld>
             <a:endParaRPr lang="hu-HU"/>
           </a:p>
@@ -3442,9 +3442,39 @@
           </a:p>
         </p:txBody>
       </p:sp>
+      <p:sp>
+        <p:nvSpPr>
+          <p:cNvPr id="4" name="TextBox 3"/>
+          <p:cNvSpPr txBox="1"/>
+          <p:nvPr/>
+        </p:nvSpPr>
+        <p:spPr>
+          <a:xfrm>
+            <a:off x="838200" y="1690687"/>
+            <a:ext cx="3595255" cy="646331"/>
+          </a:xfrm>
+          <a:prstGeom prst="rect">
+            <a:avLst/>
+          </a:prstGeom>
+          <a:noFill/>
+        </p:spPr>
+        <p:txBody>
+          <a:bodyPr wrap="square" rtlCol="0">
+            <a:spAutoFit/>
+          </a:bodyPr>
+          <a:lstStyle/>
+          <a:p>
+            <a:r>
+              <a:rPr lang="hu-HU" dirty="0" smtClean="0"/>
+              <a:t>Szekunder- és Visszaszórtelektron-üzemmód optikai analógia</a:t>
+            </a:r>
+            <a:endParaRPr lang="hu-HU" dirty="0"/>
+          </a:p>
+        </p:txBody>
+      </p:sp>
       <p:pic>
         <p:nvPicPr>
-          <p:cNvPr id="3" name="Picture 2"/>
+          <p:cNvPr id="5" name="Picture 4"/>
           <p:cNvPicPr>
             <a:picLocks noChangeAspect="1"/>
           </p:cNvPicPr>
@@ -3464,44 +3494,14 @@
         </p:blipFill>
         <p:spPr>
           <a:xfrm>
-            <a:off x="4253345" y="1690687"/>
-            <a:ext cx="7100455" cy="3560185"/>
+            <a:off x="838200" y="2337017"/>
+            <a:ext cx="8620446" cy="3980656"/>
           </a:xfrm>
           <a:prstGeom prst="rect">
             <a:avLst/>
           </a:prstGeom>
         </p:spPr>
       </p:pic>
-      <p:sp>
-        <p:nvSpPr>
-          <p:cNvPr id="4" name="TextBox 3"/>
-          <p:cNvSpPr txBox="1"/>
-          <p:nvPr/>
-        </p:nvSpPr>
-        <p:spPr>
-          <a:xfrm>
-            <a:off x="838200" y="1690687"/>
-            <a:ext cx="3595255" cy="646331"/>
-          </a:xfrm>
-          <a:prstGeom prst="rect">
-            <a:avLst/>
-          </a:prstGeom>
-          <a:noFill/>
-        </p:spPr>
-        <p:txBody>
-          <a:bodyPr wrap="square" rtlCol="0">
-            <a:spAutoFit/>
-          </a:bodyPr>
-          <a:lstStyle/>
-          <a:p>
-            <a:r>
-              <a:rPr lang="hu-HU" dirty="0" smtClean="0"/>
-              <a:t>Szekunder- és Visszaszórtelektron-üzemmód optikai analógia</a:t>
-            </a:r>
-            <a:endParaRPr lang="hu-HU" dirty="0"/>
-          </a:p>
-        </p:txBody>
-      </p:sp>
     </p:spTree>
     <p:extLst>
       <p:ext uri="{BB962C8B-B14F-4D97-AF65-F5344CB8AC3E}">
